--- a/manuscript/figures-draft-03-yao-edit-20141021_ChenEdits.pptx
+++ b/manuscript/figures-draft-03-yao-edit-20141021_ChenEdits.pptx
@@ -199,7 +199,7 @@
             <a:fld id="{8B4EBA7A-56E1-4937-B6A7-4CCE0E7AD144}" type="datetimeFigureOut">
               <a:rPr lang="en-US" smtClean="0"/>
               <a:pPr/>
-              <a:t>10/22/2014</a:t>
+              <a:t>10/28/2014</a:t>
             </a:fld>
             <a:endParaRPr lang="en-US"/>
           </a:p>
@@ -844,7 +844,7 @@
             <a:fld id="{D604A245-C8BD-064D-B7C3-50DA7C8D409F}" type="datetimeFigureOut">
               <a:rPr lang="en-US" smtClean="0"/>
               <a:pPr/>
-              <a:t>10/22/2014</a:t>
+              <a:t>10/28/2014</a:t>
             </a:fld>
             <a:endParaRPr lang="en-US"/>
           </a:p>
@@ -1016,7 +1016,7 @@
             <a:fld id="{D604A245-C8BD-064D-B7C3-50DA7C8D409F}" type="datetimeFigureOut">
               <a:rPr lang="en-US" smtClean="0"/>
               <a:pPr/>
-              <a:t>10/22/2014</a:t>
+              <a:t>10/28/2014</a:t>
             </a:fld>
             <a:endParaRPr lang="en-US"/>
           </a:p>
@@ -1198,7 +1198,7 @@
             <a:fld id="{D604A245-C8BD-064D-B7C3-50DA7C8D409F}" type="datetimeFigureOut">
               <a:rPr lang="en-US" smtClean="0"/>
               <a:pPr/>
-              <a:t>10/22/2014</a:t>
+              <a:t>10/28/2014</a:t>
             </a:fld>
             <a:endParaRPr lang="en-US"/>
           </a:p>
@@ -1370,7 +1370,7 @@
             <a:fld id="{D604A245-C8BD-064D-B7C3-50DA7C8D409F}" type="datetimeFigureOut">
               <a:rPr lang="en-US" smtClean="0"/>
               <a:pPr/>
-              <a:t>10/22/2014</a:t>
+              <a:t>10/28/2014</a:t>
             </a:fld>
             <a:endParaRPr lang="en-US"/>
           </a:p>
@@ -1618,7 +1618,7 @@
             <a:fld id="{D604A245-C8BD-064D-B7C3-50DA7C8D409F}" type="datetimeFigureOut">
               <a:rPr lang="en-US" smtClean="0"/>
               <a:pPr/>
-              <a:t>10/22/2014</a:t>
+              <a:t>10/28/2014</a:t>
             </a:fld>
             <a:endParaRPr lang="en-US"/>
           </a:p>
@@ -1908,7 +1908,7 @@
             <a:fld id="{D604A245-C8BD-064D-B7C3-50DA7C8D409F}" type="datetimeFigureOut">
               <a:rPr lang="en-US" smtClean="0"/>
               <a:pPr/>
-              <a:t>10/22/2014</a:t>
+              <a:t>10/28/2014</a:t>
             </a:fld>
             <a:endParaRPr lang="en-US"/>
           </a:p>
@@ -2332,7 +2332,7 @@
             <a:fld id="{D604A245-C8BD-064D-B7C3-50DA7C8D409F}" type="datetimeFigureOut">
               <a:rPr lang="en-US" smtClean="0"/>
               <a:pPr/>
-              <a:t>10/22/2014</a:t>
+              <a:t>10/28/2014</a:t>
             </a:fld>
             <a:endParaRPr lang="en-US"/>
           </a:p>
@@ -2452,7 +2452,7 @@
             <a:fld id="{D604A245-C8BD-064D-B7C3-50DA7C8D409F}" type="datetimeFigureOut">
               <a:rPr lang="en-US" smtClean="0"/>
               <a:pPr/>
-              <a:t>10/22/2014</a:t>
+              <a:t>10/28/2014</a:t>
             </a:fld>
             <a:endParaRPr lang="en-US"/>
           </a:p>
@@ -2549,7 +2549,7 @@
             <a:fld id="{D604A245-C8BD-064D-B7C3-50DA7C8D409F}" type="datetimeFigureOut">
               <a:rPr lang="en-US" smtClean="0"/>
               <a:pPr/>
-              <a:t>10/22/2014</a:t>
+              <a:t>10/28/2014</a:t>
             </a:fld>
             <a:endParaRPr lang="en-US"/>
           </a:p>
@@ -2828,7 +2828,7 @@
             <a:fld id="{D604A245-C8BD-064D-B7C3-50DA7C8D409F}" type="datetimeFigureOut">
               <a:rPr lang="en-US" smtClean="0"/>
               <a:pPr/>
-              <a:t>10/22/2014</a:t>
+              <a:t>10/28/2014</a:t>
             </a:fld>
             <a:endParaRPr lang="en-US"/>
           </a:p>
@@ -3083,7 +3083,7 @@
             <a:fld id="{D604A245-C8BD-064D-B7C3-50DA7C8D409F}" type="datetimeFigureOut">
               <a:rPr lang="en-US" smtClean="0"/>
               <a:pPr/>
-              <a:t>10/22/2014</a:t>
+              <a:t>10/28/2014</a:t>
             </a:fld>
             <a:endParaRPr lang="en-US"/>
           </a:p>
@@ -3298,7 +3298,7 @@
             <a:fld id="{D604A245-C8BD-064D-B7C3-50DA7C8D409F}" type="datetimeFigureOut">
               <a:rPr lang="en-US" smtClean="0"/>
               <a:pPr/>
-              <a:t>10/22/2014</a:t>
+              <a:t>10/28/2014</a:t>
             </a:fld>
             <a:endParaRPr lang="en-US"/>
           </a:p>
@@ -6994,9 +6994,45 @@
           <a:chExt cx="0" cy="0"/>
         </a:xfrm>
       </p:grpSpPr>
+      <p:sp>
+        <p:nvSpPr>
+          <p:cNvPr id="3" name="TextBox 2"/>
+          <p:cNvSpPr txBox="1"/>
+          <p:nvPr/>
+        </p:nvSpPr>
+        <p:spPr>
+          <a:xfrm>
+            <a:off x="0" y="-3087"/>
+            <a:ext cx="1033040" cy="646331"/>
+          </a:xfrm>
+          <a:prstGeom prst="rect">
+            <a:avLst/>
+          </a:prstGeom>
+          <a:noFill/>
+        </p:spPr>
+        <p:txBody>
+          <a:bodyPr wrap="none" rtlCol="0">
+            <a:spAutoFit/>
+          </a:bodyPr>
+          <a:lstStyle/>
+          <a:p>
+            <a:r>
+              <a:rPr lang="en-US" dirty="0" smtClean="0"/>
+              <a:t>Figure 5</a:t>
+            </a:r>
+          </a:p>
+          <a:p>
+            <a:r>
+              <a:rPr lang="en-US" dirty="0" smtClean="0"/>
+              <a:t>Liu, et al.</a:t>
+            </a:r>
+            <a:endParaRPr lang="en-US" dirty="0"/>
+          </a:p>
+        </p:txBody>
+      </p:sp>
       <p:pic>
         <p:nvPicPr>
-          <p:cNvPr id="2" name="Picture 1"/>
+          <p:cNvPr id="10" name="Picture 9"/>
           <p:cNvPicPr>
             <a:picLocks noChangeAspect="1"/>
           </p:cNvPicPr>
@@ -7024,288 +7060,6 @@
           </a:prstGeom>
         </p:spPr>
       </p:pic>
-      <p:sp>
-        <p:nvSpPr>
-          <p:cNvPr id="3" name="TextBox 2"/>
-          <p:cNvSpPr txBox="1"/>
-          <p:nvPr/>
-        </p:nvSpPr>
-        <p:spPr>
-          <a:xfrm>
-            <a:off x="0" y="-3087"/>
-            <a:ext cx="1033040" cy="646331"/>
-          </a:xfrm>
-          <a:prstGeom prst="rect">
-            <a:avLst/>
-          </a:prstGeom>
-          <a:noFill/>
-        </p:spPr>
-        <p:txBody>
-          <a:bodyPr wrap="none" rtlCol="0">
-            <a:spAutoFit/>
-          </a:bodyPr>
-          <a:lstStyle/>
-          <a:p>
-            <a:r>
-              <a:rPr lang="en-US" dirty="0" smtClean="0"/>
-              <a:t>Figure 5</a:t>
-            </a:r>
-          </a:p>
-          <a:p>
-            <a:r>
-              <a:rPr lang="en-US" dirty="0" smtClean="0"/>
-              <a:t>Liu, et al.</a:t>
-            </a:r>
-            <a:endParaRPr lang="en-US" dirty="0"/>
-          </a:p>
-        </p:txBody>
-      </p:sp>
-      <p:sp>
-        <p:nvSpPr>
-          <p:cNvPr id="4" name="Rectangle 3"/>
-          <p:cNvSpPr/>
-          <p:nvPr/>
-        </p:nvSpPr>
-        <p:spPr>
-          <a:xfrm>
-            <a:off x="2847975" y="409575"/>
-            <a:ext cx="3876675" cy="561975"/>
-          </a:xfrm>
-          <a:prstGeom prst="rect">
-            <a:avLst/>
-          </a:prstGeom>
-          <a:noFill/>
-          <a:ln>
-            <a:solidFill>
-              <a:srgbClr val="FF0000"/>
-            </a:solidFill>
-          </a:ln>
-        </p:spPr>
-        <p:style>
-          <a:lnRef idx="1">
-            <a:schemeClr val="accent1"/>
-          </a:lnRef>
-          <a:fillRef idx="3">
-            <a:schemeClr val="accent1"/>
-          </a:fillRef>
-          <a:effectRef idx="2">
-            <a:schemeClr val="accent1"/>
-          </a:effectRef>
-          <a:fontRef idx="minor">
-            <a:schemeClr val="lt1"/>
-          </a:fontRef>
-        </p:style>
-        <p:txBody>
-          <a:bodyPr rtlCol="0" anchor="ctr"/>
-          <a:lstStyle/>
-          <a:p>
-            <a:pPr algn="ctr"/>
-            <a:endParaRPr lang="en-US">
-              <a:solidFill>
-                <a:srgbClr val="FF0000"/>
-              </a:solidFill>
-            </a:endParaRPr>
-          </a:p>
-        </p:txBody>
-      </p:sp>
-      <p:sp>
-        <p:nvSpPr>
-          <p:cNvPr id="5" name="TextBox 4"/>
-          <p:cNvSpPr txBox="1"/>
-          <p:nvPr/>
-        </p:nvSpPr>
-        <p:spPr>
-          <a:xfrm>
-            <a:off x="5686425" y="666750"/>
-            <a:ext cx="1107996" cy="369332"/>
-          </a:xfrm>
-          <a:prstGeom prst="rect">
-            <a:avLst/>
-          </a:prstGeom>
-          <a:noFill/>
-        </p:spPr>
-        <p:txBody>
-          <a:bodyPr wrap="none" rtlCol="0">
-            <a:spAutoFit/>
-          </a:bodyPr>
-          <a:lstStyle/>
-          <a:p>
-            <a:r>
-              <a:rPr lang="zh-CN" altLang="en-US" dirty="0">
-                <a:solidFill>
-                  <a:srgbClr val="FF0000"/>
-                </a:solidFill>
-              </a:rPr>
-              <a:t>去</a:t>
-            </a:r>
-            <a:r>
-              <a:rPr lang="zh-CN" altLang="en-US" dirty="0" smtClean="0">
-                <a:solidFill>
-                  <a:srgbClr val="FF0000"/>
-                </a:solidFill>
-              </a:rPr>
-              <a:t>掉这些</a:t>
-            </a:r>
-            <a:endParaRPr lang="en-US" dirty="0">
-              <a:solidFill>
-                <a:srgbClr val="FF0000"/>
-              </a:solidFill>
-            </a:endParaRPr>
-          </a:p>
-        </p:txBody>
-      </p:sp>
-      <p:sp>
-        <p:nvSpPr>
-          <p:cNvPr id="6" name="TextBox 5"/>
-          <p:cNvSpPr txBox="1"/>
-          <p:nvPr/>
-        </p:nvSpPr>
-        <p:spPr>
-          <a:xfrm>
-            <a:off x="2771775" y="5835134"/>
-            <a:ext cx="689612" cy="369332"/>
-          </a:xfrm>
-          <a:prstGeom prst="rect">
-            <a:avLst/>
-          </a:prstGeom>
-          <a:noFill/>
-        </p:spPr>
-        <p:txBody>
-          <a:bodyPr wrap="none" rtlCol="0">
-            <a:spAutoFit/>
-          </a:bodyPr>
-          <a:lstStyle/>
-          <a:p>
-            <a:r>
-              <a:rPr lang="en-US" altLang="zh-CN" dirty="0" smtClean="0">
-                <a:solidFill>
-                  <a:srgbClr val="FF0000"/>
-                </a:solidFill>
-              </a:rPr>
-              <a:t>OSCC</a:t>
-            </a:r>
-            <a:endParaRPr lang="en-US" dirty="0">
-              <a:solidFill>
-                <a:srgbClr val="FF0000"/>
-              </a:solidFill>
-            </a:endParaRPr>
-          </a:p>
-        </p:txBody>
-      </p:sp>
-      <p:sp>
-        <p:nvSpPr>
-          <p:cNvPr id="7" name="TextBox 6"/>
-          <p:cNvSpPr txBox="1"/>
-          <p:nvPr/>
-        </p:nvSpPr>
-        <p:spPr>
-          <a:xfrm>
-            <a:off x="4441506" y="5797034"/>
-            <a:ext cx="554960" cy="369332"/>
-          </a:xfrm>
-          <a:prstGeom prst="rect">
-            <a:avLst/>
-          </a:prstGeom>
-          <a:noFill/>
-        </p:spPr>
-        <p:txBody>
-          <a:bodyPr wrap="none" rtlCol="0">
-            <a:spAutoFit/>
-          </a:bodyPr>
-          <a:lstStyle/>
-          <a:p>
-            <a:r>
-              <a:rPr lang="en-US" altLang="zh-CN" dirty="0" smtClean="0">
-                <a:solidFill>
-                  <a:srgbClr val="FF0000"/>
-                </a:solidFill>
-              </a:rPr>
-              <a:t>OLK</a:t>
-            </a:r>
-            <a:endParaRPr lang="en-US" dirty="0">
-              <a:solidFill>
-                <a:srgbClr val="FF0000"/>
-              </a:solidFill>
-            </a:endParaRPr>
-          </a:p>
-        </p:txBody>
-      </p:sp>
-      <p:sp>
-        <p:nvSpPr>
-          <p:cNvPr id="8" name="TextBox 7"/>
-          <p:cNvSpPr txBox="1"/>
-          <p:nvPr/>
-        </p:nvSpPr>
-        <p:spPr>
-          <a:xfrm>
-            <a:off x="6032181" y="5835134"/>
-            <a:ext cx="883575" cy="369332"/>
-          </a:xfrm>
-          <a:prstGeom prst="rect">
-            <a:avLst/>
-          </a:prstGeom>
-          <a:noFill/>
-        </p:spPr>
-        <p:txBody>
-          <a:bodyPr wrap="none" rtlCol="0">
-            <a:spAutoFit/>
-          </a:bodyPr>
-          <a:lstStyle/>
-          <a:p>
-            <a:r>
-              <a:rPr lang="en-US" altLang="zh-CN" dirty="0" smtClean="0">
-                <a:solidFill>
-                  <a:srgbClr val="FF0000"/>
-                </a:solidFill>
-              </a:rPr>
-              <a:t>Normal</a:t>
-            </a:r>
-            <a:endParaRPr lang="en-US" dirty="0">
-              <a:solidFill>
-                <a:srgbClr val="FF0000"/>
-              </a:solidFill>
-            </a:endParaRPr>
-          </a:p>
-        </p:txBody>
-      </p:sp>
-      <p:sp>
-        <p:nvSpPr>
-          <p:cNvPr id="9" name="TextBox 8"/>
-          <p:cNvSpPr txBox="1"/>
-          <p:nvPr/>
-        </p:nvSpPr>
-        <p:spPr>
-          <a:xfrm rot="10800000">
-            <a:off x="1228725" y="2014765"/>
-            <a:ext cx="461665" cy="2828467"/>
-          </a:xfrm>
-          <a:prstGeom prst="rect">
-            <a:avLst/>
-          </a:prstGeom>
-          <a:noFill/>
-        </p:spPr>
-        <p:txBody>
-          <a:bodyPr vert="eaVert" wrap="none" rtlCol="0">
-            <a:spAutoFit/>
-          </a:bodyPr>
-          <a:lstStyle/>
-          <a:p>
-            <a:r>
-              <a:rPr lang="en-US" altLang="zh-CN" dirty="0" smtClean="0">
-                <a:solidFill>
-                  <a:srgbClr val="FF0000"/>
-                </a:solidFill>
-              </a:rPr>
-              <a:t>Oral Cancer Risk Index (OCRI)</a:t>
-            </a:r>
-            <a:endParaRPr lang="en-US" dirty="0">
-              <a:solidFill>
-                <a:srgbClr val="FF0000"/>
-              </a:solidFill>
-            </a:endParaRPr>
-          </a:p>
-        </p:txBody>
-      </p:sp>
     </p:spTree>
     <p:extLst>
       <p:ext uri="{BB962C8B-B14F-4D97-AF65-F5344CB8AC3E}">
